--- a/poster/Naoki_solar_poster.pptx
+++ b/poster/Naoki_solar_poster.pptx
@@ -5475,7 +5475,7 @@
         </p:nvSpPr>
         <p:spPr>
           <a:xfrm>
-            <a:off x="685800" y="18464271"/>
+            <a:off x="671209" y="18453984"/>
             <a:ext cx="10058400" cy="13768201"/>
           </a:xfrm>
           <a:prstGeom prst="rect">
@@ -6242,96 +6242,6 @@
       </p:sp>
       <p:sp>
         <p:nvSpPr>
-          <p:cNvPr id="62" name="TextBox 61">
-            <a:extLst>
-              <a:ext uri="{FF2B5EF4-FFF2-40B4-BE49-F238E27FC236}">
-                <a16:creationId xmlns:a16="http://schemas.microsoft.com/office/drawing/2014/main" id="{A067F8A1-EE95-4354-8E2F-952A6BBDBFFC}"/>
-              </a:ext>
-            </a:extLst>
-          </p:cNvPr>
-          <p:cNvSpPr txBox="1"/>
-          <p:nvPr/>
-        </p:nvSpPr>
-        <p:spPr>
-          <a:xfrm>
-            <a:off x="914400" y="19407050"/>
-            <a:ext cx="9601200" cy="461665"/>
-          </a:xfrm>
-          <a:prstGeom prst="rect">
-            <a:avLst/>
-          </a:prstGeom>
-          <a:noFill/>
-        </p:spPr>
-        <p:txBody>
-          <a:bodyPr wrap="square" rtlCol="0">
-            <a:spAutoFit/>
-          </a:bodyPr>
-          <a:lstStyle>
-            <a:defPPr>
-              <a:defRPr kern="1200"/>
-            </a:defPPr>
-          </a:lstStyle>
-          <a:p>
-            <a:r>
-              <a:rPr lang="en-US">
-                <a:solidFill>
-                  <a:srgbClr val="1482A5"/>
-                </a:solidFill>
-                <a:latin typeface="Montserrat Light" panose="00000400000000000000" pitchFamily="50" charset="0"/>
-                <a:ea typeface="Open Sans" panose="020B0606030504020204" pitchFamily="34" charset="0"/>
-                <a:cs typeface="Open Sans" panose="020B0606030504020204" pitchFamily="34" charset="0"/>
-              </a:rPr>
-              <a:t>Add your information, graphs and images to this section.</a:t>
-            </a:r>
-          </a:p>
-        </p:txBody>
-      </p:sp>
-      <p:sp>
-        <p:nvSpPr>
-          <p:cNvPr id="63" name="TextBox 62">
-            <a:extLst>
-              <a:ext uri="{FF2B5EF4-FFF2-40B4-BE49-F238E27FC236}">
-                <a16:creationId xmlns:a16="http://schemas.microsoft.com/office/drawing/2014/main" id="{92D5F59B-F8CA-463C-871F-D1042309DE00}"/>
-              </a:ext>
-            </a:extLst>
-          </p:cNvPr>
-          <p:cNvSpPr txBox="1"/>
-          <p:nvPr/>
-        </p:nvSpPr>
-        <p:spPr>
-          <a:xfrm>
-            <a:off x="914400" y="18739137"/>
-            <a:ext cx="9601200" cy="646331"/>
-          </a:xfrm>
-          <a:prstGeom prst="rect">
-            <a:avLst/>
-          </a:prstGeom>
-          <a:noFill/>
-        </p:spPr>
-        <p:txBody>
-          <a:bodyPr wrap="square" rtlCol="0">
-            <a:spAutoFit/>
-          </a:bodyPr>
-          <a:lstStyle>
-            <a:defPPr>
-              <a:defRPr kern="1200"/>
-            </a:defPPr>
-          </a:lstStyle>
-          <a:p>
-            <a:r>
-              <a:rPr lang="en-US" sz="3600" dirty="0">
-                <a:solidFill>
-                  <a:srgbClr val="235078"/>
-                </a:solidFill>
-                <a:latin typeface="Libre Baskerville" panose="02000000000000000000" pitchFamily="2" charset="0"/>
-              </a:rPr>
-              <a:t>Introduction</a:t>
-            </a:r>
-          </a:p>
-        </p:txBody>
-      </p:sp>
-      <p:sp>
-        <p:nvSpPr>
           <p:cNvPr id="64" name="TextBox 63">
             <a:extLst>
               <a:ext uri="{FF2B5EF4-FFF2-40B4-BE49-F238E27FC236}">
@@ -6532,7 +6442,7 @@
         </p:blipFill>
         <p:spPr>
           <a:xfrm>
-            <a:off x="12017917" y="18722924"/>
+            <a:off x="11991975" y="25274735"/>
             <a:ext cx="9344025" cy="5553075"/>
           </a:xfrm>
           <a:prstGeom prst="rect">
@@ -6572,52 +6482,6 @@
       </p:pic>
       <p:sp>
         <p:nvSpPr>
-          <p:cNvPr id="6" name="TextBox 5">
-            <a:extLst>
-              <a:ext uri="{FF2B5EF4-FFF2-40B4-BE49-F238E27FC236}">
-                <a16:creationId xmlns:a16="http://schemas.microsoft.com/office/drawing/2014/main" id="{BA16590B-8D71-5AD4-72CA-5FCDE176405C}"/>
-              </a:ext>
-            </a:extLst>
-          </p:cNvPr>
-          <p:cNvSpPr txBox="1"/>
-          <p:nvPr/>
-        </p:nvSpPr>
-        <p:spPr>
-          <a:xfrm>
-            <a:off x="914400" y="22474535"/>
-            <a:ext cx="9601200" cy="461665"/>
-          </a:xfrm>
-          <a:prstGeom prst="rect">
-            <a:avLst/>
-          </a:prstGeom>
-          <a:noFill/>
-        </p:spPr>
-        <p:txBody>
-          <a:bodyPr wrap="square" rtlCol="0">
-            <a:spAutoFit/>
-          </a:bodyPr>
-          <a:lstStyle>
-            <a:defPPr>
-              <a:defRPr kern="1200"/>
-            </a:defPPr>
-          </a:lstStyle>
-          <a:p>
-            <a:r>
-              <a:rPr lang="en-US">
-                <a:solidFill>
-                  <a:srgbClr val="1482A5"/>
-                </a:solidFill>
-                <a:latin typeface="Montserrat Light" panose="00000400000000000000" pitchFamily="50" charset="0"/>
-                <a:ea typeface="Open Sans" panose="020B0606030504020204" pitchFamily="34" charset="0"/>
-                <a:cs typeface="Open Sans" panose="020B0606030504020204" pitchFamily="34" charset="0"/>
-              </a:rPr>
-              <a:t>Add your information, graphs and images to this section.</a:t>
-            </a:r>
-          </a:p>
-        </p:txBody>
-      </p:sp>
-      <p:sp>
-        <p:nvSpPr>
           <p:cNvPr id="7" name="TextBox 6">
             <a:extLst>
               <a:ext uri="{FF2B5EF4-FFF2-40B4-BE49-F238E27FC236}">
@@ -6630,7 +6494,7 @@
         </p:nvSpPr>
         <p:spPr>
           <a:xfrm>
-            <a:off x="914400" y="21806622"/>
+            <a:off x="914400" y="18937231"/>
             <a:ext cx="9601200" cy="646331"/>
           </a:xfrm>
           <a:prstGeom prst="rect">
@@ -6689,7 +6553,7 @@
         </p:blipFill>
         <p:spPr bwMode="auto">
           <a:xfrm>
-            <a:off x="1447800" y="12084157"/>
+            <a:off x="893324" y="11163324"/>
             <a:ext cx="3933825" cy="2714625"/>
           </a:xfrm>
           <a:prstGeom prst="rect">
@@ -6768,6 +6632,227 @@
             <a:r>
               <a:rPr lang="en-US" dirty="0"/>
               <a:t>naokic3.github.io/solar</a:t>
+            </a:r>
+          </a:p>
+        </p:txBody>
+      </p:sp>
+      <p:pic>
+        <p:nvPicPr>
+          <p:cNvPr id="4" name="Picture 3">
+            <a:extLst>
+              <a:ext uri="{FF2B5EF4-FFF2-40B4-BE49-F238E27FC236}">
+                <a16:creationId xmlns:a16="http://schemas.microsoft.com/office/drawing/2014/main" id="{39503ABE-E446-DEDA-2225-C8983C8EAB5A}"/>
+              </a:ext>
+            </a:extLst>
+          </p:cNvPr>
+          <p:cNvPicPr>
+            <a:picLocks noChangeAspect="1"/>
+          </p:cNvPicPr>
+          <p:nvPr/>
+        </p:nvPicPr>
+        <p:blipFill>
+          <a:blip r:embed="rId7"/>
+          <a:stretch>
+            <a:fillRect/>
+          </a:stretch>
+        </p:blipFill>
+        <p:spPr>
+          <a:xfrm>
+            <a:off x="22571415" y="25247173"/>
+            <a:ext cx="9401175" cy="5114925"/>
+          </a:xfrm>
+          <a:prstGeom prst="rect">
+            <a:avLst/>
+          </a:prstGeom>
+        </p:spPr>
+      </p:pic>
+      <p:sp>
+        <p:nvSpPr>
+          <p:cNvPr id="8" name="Rectangle 7">
+            <a:extLst>
+              <a:ext uri="{FF2B5EF4-FFF2-40B4-BE49-F238E27FC236}">
+                <a16:creationId xmlns:a16="http://schemas.microsoft.com/office/drawing/2014/main" id="{B7BBE0E6-4941-1E37-46E5-259DBBA34DB9}"/>
+              </a:ext>
+            </a:extLst>
+          </p:cNvPr>
+          <p:cNvSpPr/>
+          <p:nvPr/>
+        </p:nvSpPr>
+        <p:spPr>
+          <a:xfrm>
+            <a:off x="685800" y="14415581"/>
+            <a:ext cx="10058400" cy="3570985"/>
+          </a:xfrm>
+          <a:prstGeom prst="rect">
+            <a:avLst/>
+          </a:prstGeom>
+          <a:solidFill>
+            <a:schemeClr val="bg1"/>
+          </a:solidFill>
+          <a:ln>
+            <a:noFill/>
+          </a:ln>
+        </p:spPr>
+        <p:style>
+          <a:lnRef idx="2">
+            <a:schemeClr val="accent1">
+              <a:shade val="50000"/>
+            </a:schemeClr>
+          </a:lnRef>
+          <a:fillRef idx="1">
+            <a:schemeClr val="accent1"/>
+          </a:fillRef>
+          <a:effectRef idx="0">
+            <a:schemeClr val="accent1"/>
+          </a:effectRef>
+          <a:fontRef idx="minor">
+            <a:schemeClr val="lt1"/>
+          </a:fontRef>
+        </p:style>
+        <p:txBody>
+          <a:bodyPr rtlCol="0" anchor="ctr"/>
+          <a:lstStyle>
+            <a:defPPr>
+              <a:defRPr kern="1200"/>
+            </a:defPPr>
+          </a:lstStyle>
+          <a:p>
+            <a:pPr algn="ctr"/>
+            <a:endParaRPr lang="en-US" sz="9600"/>
+          </a:p>
+        </p:txBody>
+      </p:sp>
+      <p:sp>
+        <p:nvSpPr>
+          <p:cNvPr id="10" name="TextBox 9">
+            <a:extLst>
+              <a:ext uri="{FF2B5EF4-FFF2-40B4-BE49-F238E27FC236}">
+                <a16:creationId xmlns:a16="http://schemas.microsoft.com/office/drawing/2014/main" id="{AE34EF7A-1076-8571-4CE7-ACEABE8E0EC2}"/>
+              </a:ext>
+            </a:extLst>
+          </p:cNvPr>
+          <p:cNvSpPr txBox="1"/>
+          <p:nvPr/>
+        </p:nvSpPr>
+        <p:spPr>
+          <a:xfrm>
+            <a:off x="1165698" y="20511956"/>
+            <a:ext cx="9601200" cy="6740307"/>
+          </a:xfrm>
+          <a:prstGeom prst="rect">
+            <a:avLst/>
+          </a:prstGeom>
+          <a:noFill/>
+        </p:spPr>
+        <p:txBody>
+          <a:bodyPr wrap="square" rtlCol="0">
+            <a:spAutoFit/>
+          </a:bodyPr>
+          <a:lstStyle>
+            <a:defPPr>
+              <a:defRPr kern="1200"/>
+            </a:defPPr>
+          </a:lstStyle>
+          <a:p>
+            <a:r>
+              <a:rPr lang="en-US" sz="3600" dirty="0">
+                <a:solidFill>
+                  <a:srgbClr val="235078"/>
+                </a:solidFill>
+                <a:latin typeface="Libre Baskerville" panose="02000000000000000000" pitchFamily="2" charset="0"/>
+              </a:rPr>
+              <a:t>Why insurance?</a:t>
+            </a:r>
+          </a:p>
+          <a:p>
+            <a:endParaRPr lang="en-US" sz="3600" dirty="0">
+              <a:solidFill>
+                <a:srgbClr val="235078"/>
+              </a:solidFill>
+              <a:latin typeface="Libre Baskerville" panose="02000000000000000000" pitchFamily="2" charset="0"/>
+            </a:endParaRPr>
+          </a:p>
+          <a:p>
+            <a:endParaRPr lang="en-US" sz="3600" dirty="0">
+              <a:solidFill>
+                <a:srgbClr val="235078"/>
+              </a:solidFill>
+              <a:latin typeface="Libre Baskerville" panose="02000000000000000000" pitchFamily="2" charset="0"/>
+            </a:endParaRPr>
+          </a:p>
+          <a:p>
+            <a:endParaRPr lang="en-US" sz="3600" dirty="0">
+              <a:solidFill>
+                <a:srgbClr val="235078"/>
+              </a:solidFill>
+              <a:latin typeface="Libre Baskerville" panose="02000000000000000000" pitchFamily="2" charset="0"/>
+            </a:endParaRPr>
+          </a:p>
+          <a:p>
+            <a:endParaRPr lang="en-US" sz="3600" dirty="0">
+              <a:solidFill>
+                <a:srgbClr val="235078"/>
+              </a:solidFill>
+              <a:latin typeface="Libre Baskerville" panose="02000000000000000000" pitchFamily="2" charset="0"/>
+            </a:endParaRPr>
+          </a:p>
+          <a:p>
+            <a:endParaRPr lang="en-US" sz="3600" dirty="0">
+              <a:solidFill>
+                <a:srgbClr val="235078"/>
+              </a:solidFill>
+              <a:latin typeface="Libre Baskerville" panose="02000000000000000000" pitchFamily="2" charset="0"/>
+            </a:endParaRPr>
+          </a:p>
+          <a:p>
+            <a:endParaRPr lang="en-US" sz="3600" dirty="0">
+              <a:solidFill>
+                <a:srgbClr val="235078"/>
+              </a:solidFill>
+              <a:latin typeface="Libre Baskerville" panose="02000000000000000000" pitchFamily="2" charset="0"/>
+            </a:endParaRPr>
+          </a:p>
+          <a:p>
+            <a:endParaRPr lang="en-US" sz="3600" dirty="0">
+              <a:solidFill>
+                <a:srgbClr val="235078"/>
+              </a:solidFill>
+              <a:latin typeface="Libre Baskerville" panose="02000000000000000000" pitchFamily="2" charset="0"/>
+            </a:endParaRPr>
+          </a:p>
+          <a:p>
+            <a:endParaRPr lang="en-US" sz="3600" dirty="0">
+              <a:solidFill>
+                <a:srgbClr val="235078"/>
+              </a:solidFill>
+              <a:latin typeface="Libre Baskerville" panose="02000000000000000000" pitchFamily="2" charset="0"/>
+            </a:endParaRPr>
+          </a:p>
+          <a:p>
+            <a:endParaRPr lang="en-US" sz="3600" dirty="0">
+              <a:solidFill>
+                <a:srgbClr val="235078"/>
+              </a:solidFill>
+              <a:latin typeface="Libre Baskerville" panose="02000000000000000000" pitchFamily="2" charset="0"/>
+            </a:endParaRPr>
+          </a:p>
+          <a:p>
+            <a:endParaRPr lang="en-US" sz="3600" dirty="0">
+              <a:solidFill>
+                <a:srgbClr val="235078"/>
+              </a:solidFill>
+              <a:latin typeface="Libre Baskerville" panose="02000000000000000000" pitchFamily="2" charset="0"/>
+            </a:endParaRPr>
+          </a:p>
+          <a:p>
+            <a:r>
+              <a:rPr lang="en-US" sz="3600" dirty="0">
+                <a:solidFill>
+                  <a:srgbClr val="235078"/>
+                </a:solidFill>
+                <a:latin typeface="Libre Baskerville" panose="02000000000000000000" pitchFamily="2" charset="0"/>
+              </a:rPr>
+              <a:t>Why index?</a:t>
             </a:r>
           </a:p>
         </p:txBody>
